--- a/scripts/hw/DM_HW4.pptx
+++ b/scripts/hw/DM_HW4.pptx
@@ -215,7 +215,7 @@
           <a:p>
             <a:fld id="{FBC52A4E-0034-6E49-9C71-D7A5F8957AF8}" type="datetimeFigureOut">
               <a:rPr lang="en-US" smtClean="0"/>
-              <a:t>11/25/18</a:t>
+              <a:t>12/14/18</a:t>
             </a:fld>
             <a:endParaRPr lang="en-US"/>
           </a:p>
@@ -782,7 +782,7 @@
           <a:p>
             <a:fld id="{E60A29A0-B7A9-BB4A-BB86-C96DADED5A0C}" type="datetimeFigureOut">
               <a:rPr lang="en-US" smtClean="0"/>
-              <a:t>11/25/18</a:t>
+              <a:t>12/14/18</a:t>
             </a:fld>
             <a:endParaRPr lang="en-US"/>
           </a:p>
@@ -952,7 +952,7 @@
           <a:p>
             <a:fld id="{E60A29A0-B7A9-BB4A-BB86-C96DADED5A0C}" type="datetimeFigureOut">
               <a:rPr lang="en-US" smtClean="0"/>
-              <a:t>11/25/18</a:t>
+              <a:t>12/14/18</a:t>
             </a:fld>
             <a:endParaRPr lang="en-US"/>
           </a:p>
@@ -1132,7 +1132,7 @@
           <a:p>
             <a:fld id="{E60A29A0-B7A9-BB4A-BB86-C96DADED5A0C}" type="datetimeFigureOut">
               <a:rPr lang="en-US" smtClean="0"/>
-              <a:t>11/25/18</a:t>
+              <a:t>12/14/18</a:t>
             </a:fld>
             <a:endParaRPr lang="en-US"/>
           </a:p>
@@ -1302,7 +1302,7 @@
           <a:p>
             <a:fld id="{E60A29A0-B7A9-BB4A-BB86-C96DADED5A0C}" type="datetimeFigureOut">
               <a:rPr lang="en-US" smtClean="0"/>
-              <a:t>11/25/18</a:t>
+              <a:t>12/14/18</a:t>
             </a:fld>
             <a:endParaRPr lang="en-US"/>
           </a:p>
@@ -1548,7 +1548,7 @@
           <a:p>
             <a:fld id="{E60A29A0-B7A9-BB4A-BB86-C96DADED5A0C}" type="datetimeFigureOut">
               <a:rPr lang="en-US" smtClean="0"/>
-              <a:t>11/25/18</a:t>
+              <a:t>12/14/18</a:t>
             </a:fld>
             <a:endParaRPr lang="en-US"/>
           </a:p>
@@ -1780,7 +1780,7 @@
           <a:p>
             <a:fld id="{E60A29A0-B7A9-BB4A-BB86-C96DADED5A0C}" type="datetimeFigureOut">
               <a:rPr lang="en-US" smtClean="0"/>
-              <a:t>11/25/18</a:t>
+              <a:t>12/14/18</a:t>
             </a:fld>
             <a:endParaRPr lang="en-US"/>
           </a:p>
@@ -2147,7 +2147,7 @@
           <a:p>
             <a:fld id="{E60A29A0-B7A9-BB4A-BB86-C96DADED5A0C}" type="datetimeFigureOut">
               <a:rPr lang="en-US" smtClean="0"/>
-              <a:t>11/25/18</a:t>
+              <a:t>12/14/18</a:t>
             </a:fld>
             <a:endParaRPr lang="en-US"/>
           </a:p>
@@ -2265,7 +2265,7 @@
           <a:p>
             <a:fld id="{E60A29A0-B7A9-BB4A-BB86-C96DADED5A0C}" type="datetimeFigureOut">
               <a:rPr lang="en-US" smtClean="0"/>
-              <a:t>11/25/18</a:t>
+              <a:t>12/14/18</a:t>
             </a:fld>
             <a:endParaRPr lang="en-US"/>
           </a:p>
@@ -2360,7 +2360,7 @@
           <a:p>
             <a:fld id="{E60A29A0-B7A9-BB4A-BB86-C96DADED5A0C}" type="datetimeFigureOut">
               <a:rPr lang="en-US" smtClean="0"/>
-              <a:t>11/25/18</a:t>
+              <a:t>12/14/18</a:t>
             </a:fld>
             <a:endParaRPr lang="en-US"/>
           </a:p>
@@ -2637,7 +2637,7 @@
           <a:p>
             <a:fld id="{E60A29A0-B7A9-BB4A-BB86-C96DADED5A0C}" type="datetimeFigureOut">
               <a:rPr lang="en-US" smtClean="0"/>
-              <a:t>11/25/18</a:t>
+              <a:t>12/14/18</a:t>
             </a:fld>
             <a:endParaRPr lang="en-US"/>
           </a:p>
@@ -2890,7 +2890,7 @@
           <a:p>
             <a:fld id="{E60A29A0-B7A9-BB4A-BB86-C96DADED5A0C}" type="datetimeFigureOut">
               <a:rPr lang="en-US" smtClean="0"/>
-              <a:t>11/25/18</a:t>
+              <a:t>12/14/18</a:t>
             </a:fld>
             <a:endParaRPr lang="en-US"/>
           </a:p>
@@ -3103,7 +3103,7 @@
           <a:p>
             <a:fld id="{E60A29A0-B7A9-BB4A-BB86-C96DADED5A0C}" type="datetimeFigureOut">
               <a:rPr lang="en-US" smtClean="0"/>
-              <a:t>11/25/18</a:t>
+              <a:t>12/14/18</a:t>
             </a:fld>
             <a:endParaRPr lang="en-US"/>
           </a:p>
@@ -11188,8 +11188,8 @@
           </a:p>
         </p:txBody>
       </p:sp>
-      <mc:AlternateContent xmlns:mc="http://schemas.openxmlformats.org/markup-compatibility/2006">
-        <mc:Choice xmlns:a14="http://schemas.microsoft.com/office/drawing/2010/main" Requires="a14">
+      <mc:AlternateContent xmlns:mc="http://schemas.openxmlformats.org/markup-compatibility/2006" xmlns:a14="http://schemas.microsoft.com/office/drawing/2010/main">
+        <mc:Choice Requires="a14">
           <p:sp>
             <p:nvSpPr>
               <p:cNvPr id="5" name="TextBox 4"/>
@@ -11531,7 +11531,7 @@
             </p:txBody>
           </p:sp>
         </mc:Choice>
-        <mc:Fallback>
+        <mc:Fallback xmlns="">
           <p:sp>
             <p:nvSpPr>
               <p:cNvPr id="5" name="TextBox 4"/>
@@ -12532,11 +12532,7 @@
             </a:r>
             <a:r>
               <a:rPr lang="en-US" sz="2400" dirty="0" smtClean="0"/>
-              <a:t>) are density-connected, since </a:t>
-            </a:r>
-            <a:r>
-              <a:rPr lang="en-US" sz="2400" dirty="0" smtClean="0"/>
-              <a:t>(3, </a:t>
+              <a:t>) are density-connected, since (3, </a:t>
             </a:r>
             <a:r>
               <a:rPr lang="en-US" sz="2400" dirty="0"/>
@@ -12548,17 +12544,12 @@
             </a:r>
             <a:r>
               <a:rPr lang="en-US" sz="2400" dirty="0"/>
-              <a:t>(1, 2) and both density-reachable from </a:t>
-            </a:r>
-            <a:r>
-              <a:rPr lang="en-US" sz="2400" dirty="0"/>
-              <a:t>(2, 3</a:t>
+              <a:t>(1, 2) and both density-reachable from (2, 3</a:t>
             </a:r>
             <a:r>
               <a:rPr lang="en-US" sz="2400" dirty="0" smtClean="0"/>
               <a:t>)</a:t>
             </a:r>
-            <a:endParaRPr lang="en-US" sz="2400" dirty="0" smtClean="0"/>
           </a:p>
           <a:p>
             <a:endParaRPr lang="en-US" sz="2400" dirty="0"/>
@@ -15571,41 +15562,32 @@
               <a:rPr lang="en-US" sz="2400" dirty="0" smtClean="0">
                 <a:latin typeface="+mj-lt"/>
               </a:rPr>
-              <a:t>Mean </a:t>
+              <a:t>Mean and sample standard deviation of SSE for </a:t>
+            </a:r>
+            <a:r>
+              <a:rPr lang="en-US" sz="2400" dirty="0">
+                <a:latin typeface="+mj-lt"/>
+              </a:rPr>
+              <a:t>k = 1, 2, </a:t>
+            </a:r>
+            <a:r>
+              <a:rPr lang="mr-IN" sz="2400" dirty="0">
+                <a:latin typeface="+mj-lt"/>
+              </a:rPr>
+              <a:t>…</a:t>
+            </a:r>
+            <a:r>
+              <a:rPr lang="en-US" sz="2400" dirty="0">
+                <a:latin typeface="+mj-lt"/>
+              </a:rPr>
+              <a:t>, </a:t>
             </a:r>
             <a:r>
               <a:rPr lang="en-US" sz="2400" dirty="0" smtClean="0">
                 <a:latin typeface="+mj-lt"/>
               </a:rPr>
-              <a:t>and sample standard deviation of SSE for </a:t>
-            </a:r>
-            <a:r>
-              <a:rPr lang="en-US" sz="2400" dirty="0">
-                <a:latin typeface="+mj-lt"/>
-              </a:rPr>
-              <a:t>k = 1, 2, </a:t>
-            </a:r>
-            <a:r>
-              <a:rPr lang="mr-IN" sz="2400" dirty="0">
-                <a:latin typeface="+mj-lt"/>
-              </a:rPr>
-              <a:t>…</a:t>
-            </a:r>
-            <a:r>
-              <a:rPr lang="en-US" sz="2400" dirty="0">
-                <a:latin typeface="+mj-lt"/>
-              </a:rPr>
-              <a:t>, </a:t>
-            </a:r>
-            <a:r>
-              <a:rPr lang="en-US" sz="2400" dirty="0" smtClean="0">
-                <a:latin typeface="+mj-lt"/>
-              </a:rPr>
               <a:t>12</a:t>
             </a:r>
-            <a:endParaRPr lang="en-US" sz="2400" dirty="0" smtClean="0">
-              <a:latin typeface="+mj-lt"/>
-            </a:endParaRPr>
           </a:p>
         </p:txBody>
       </p:sp>
@@ -17623,9 +17605,6 @@
               </a:rPr>
               <a:t>.</a:t>
             </a:r>
-            <a:endParaRPr lang="de-DE" sz="2000" dirty="0">
-              <a:latin typeface="+mj-lt"/>
-            </a:endParaRPr>
           </a:p>
           <a:p>
             <a:endParaRPr lang="en-US" sz="2400" dirty="0" smtClean="0">
@@ -18859,17 +18838,8 @@
               <a:rPr lang="en-US" sz="2400" dirty="0" smtClean="0">
                 <a:latin typeface="+mj-lt"/>
               </a:rPr>
-              <a:t>2) Build </a:t>
-            </a:r>
-            <a:r>
-              <a:rPr lang="en-US" sz="2400" dirty="0" smtClean="0">
-                <a:latin typeface="+mj-lt"/>
-              </a:rPr>
-              <a:t>clusters with single-link</a:t>
-            </a:r>
-            <a:endParaRPr lang="en-US" sz="2400" dirty="0" smtClean="0">
-              <a:latin typeface="+mj-lt"/>
-            </a:endParaRPr>
+              <a:t>2) Build clusters with single-link</a:t>
+            </a:r>
           </a:p>
           <a:p>
             <a:endParaRPr lang="en-US" dirty="0" smtClean="0">
@@ -19257,7 +19227,7 @@
           </a:xfrm>
           <a:prstGeom prst="bentConnector3">
             <a:avLst>
-              <a:gd name="adj1" fmla="val 25171"/>
+              <a:gd name="adj1" fmla="val 23185"/>
             </a:avLst>
           </a:prstGeom>
         </p:spPr>
